--- a/מצגות/L12.pptx
+++ b/מצגות/L12.pptx
@@ -20433,6 +20433,13 @@
   <p:clrMapOvr>
     <a:masterClrMapping/>
   </p:clrMapOvr>
+  <p:timing>
+    <p:tnLst>
+      <p:par>
+        <p:cTn id="1" dur="indefinite" restart="never" nodeType="tmRoot"/>
+      </p:par>
+    </p:tnLst>
+  </p:timing>
 </p:sld>
 </file>
 
@@ -20881,6 +20888,13 @@
   <p:clrMapOvr>
     <a:masterClrMapping/>
   </p:clrMapOvr>
+  <p:timing>
+    <p:tnLst>
+      <p:par>
+        <p:cTn id="1" dur="indefinite" restart="never" nodeType="tmRoot"/>
+      </p:par>
+    </p:tnLst>
+  </p:timing>
 </p:sld>
 </file>
 
@@ -22263,8 +22277,8 @@
         </p:nvSpPr>
         <p:spPr>
           <a:xfrm>
-            <a:off x="1627321" y="1507066"/>
-            <a:ext cx="10134372" cy="5103284"/>
+            <a:off x="6422315" y="1507066"/>
+            <a:ext cx="5339378" cy="5103284"/>
           </a:xfrm>
         </p:spPr>
         <p:txBody>
@@ -22473,32 +22487,43 @@
       </p:sp>
       <p:pic>
         <p:nvPicPr>
-          <p:cNvPr id="9" name="Picture 8">
-            <a:extLst>
-              <a:ext uri="{FF2B5EF4-FFF2-40B4-BE49-F238E27FC236}">
-                <a16:creationId xmlns:a16="http://schemas.microsoft.com/office/drawing/2014/main" id="{AE700778-68B1-7FE0-26FD-956D64DDFD52}"/>
-              </a:ext>
-            </a:extLst>
-          </p:cNvPr>
+          <p:cNvPr id="1026" name="Picture 2" descr="Document Object Model - Wikipedia"/>
           <p:cNvPicPr>
-            <a:picLocks noChangeAspect="1"/>
+            <a:picLocks noChangeAspect="1" noChangeArrowheads="1"/>
           </p:cNvPicPr>
           <p:nvPr/>
         </p:nvPicPr>
         <p:blipFill>
-          <a:blip r:embed="rId3"/>
+          <a:blip r:embed="rId3">
+            <a:extLst>
+              <a:ext uri="{28A0092B-C50C-407E-A947-70E740481C1C}">
+                <a14:useLocalDpi xmlns:a14="http://schemas.microsoft.com/office/drawing/2010/main" val="0"/>
+              </a:ext>
+            </a:extLst>
+          </a:blip>
+          <a:srcRect/>
           <a:stretch>
             <a:fillRect/>
           </a:stretch>
         </p:blipFill>
-        <p:spPr>
-          <a:xfrm>
-            <a:off x="4115157" y="3073681"/>
-            <a:ext cx="4953000" cy="3171825"/>
+        <p:spPr bwMode="auto">
+          <a:xfrm>
+            <a:off x="1790737" y="994288"/>
+            <a:ext cx="5313983" cy="5499972"/>
           </a:xfrm>
           <a:prstGeom prst="rect">
             <a:avLst/>
           </a:prstGeom>
+          <a:noFill/>
+          <a:extLst>
+            <a:ext uri="{909E8E84-426E-40DD-AFC4-6F175D3DCCD1}">
+              <a14:hiddenFill xmlns:a14="http://schemas.microsoft.com/office/drawing/2010/main">
+                <a:solidFill>
+                  <a:srgbClr val="FFFFFF"/>
+                </a:solidFill>
+              </a14:hiddenFill>
+            </a:ext>
+          </a:extLst>
         </p:spPr>
       </p:pic>
     </p:spTree>
@@ -22758,7 +22783,7 @@
                 <a16:creationId xmlns:a16="http://schemas.microsoft.com/office/drawing/2014/main" id="{C4C2D77A-C801-9B4E-B6FB-9402525D52F3}"/>
               </a:ext>
               <a:ext uri="{C183D7F6-B498-43B3-948B-1728B52AA6E4}">
-                <adec:decorative xmlns:adec="http://schemas.microsoft.com/office/drawing/2017/decorative" val="0"/>
+                <adec:decorative xmlns="" xmlns:adec="http://schemas.microsoft.com/office/drawing/2017/decorative" val="0"/>
               </a:ext>
             </a:extLst>
           </p:cNvPr>
